--- a/Health mate.pptx
+++ b/Health mate.pptx
@@ -8,7 +8,7 @@
     <p:notesMasterId r:id="rId15"/>
   </p:notesMasterIdLst>
   <p:sldIdLst>
-    <p:sldId id="271" r:id="rId2"/>
+    <p:sldId id="272" r:id="rId2"/>
     <p:sldId id="256" r:id="rId3"/>
     <p:sldId id="257" r:id="rId4"/>
     <p:sldId id="258" r:id="rId5"/>
@@ -116,6 +116,22 @@
       </a:defRPr>
     </a:lvl9pPr>
   </p:defaultTextStyle>
+  <p:extLst>
+    <p:ext uri="{EFAFB233-063F-42B5-8137-9DF3F51BA10A}">
+      <p15:sldGuideLst xmlns:p15="http://schemas.microsoft.com/office/powerpoint/2012/main">
+        <p15:guide id="1" orient="horz" pos="1620">
+          <p15:clr>
+            <a:srgbClr val="A4A3A4"/>
+          </p15:clr>
+        </p15:guide>
+        <p15:guide id="2" pos="2880">
+          <p15:clr>
+            <a:srgbClr val="A4A3A4"/>
+          </p15:clr>
+        </p15:guide>
+      </p15:sldGuideLst>
+    </p:ext>
+  </p:extLst>
 </p:presentation>
 </file>
 
@@ -142,6 +158,11 @@
         </a:xfrm>
       </p:grpSpPr>
     </p:spTree>
+    <p:extLst>
+      <p:ext uri="{BB962C8B-B14F-4D97-AF65-F5344CB8AC3E}">
+        <p14:creationId xmlns:p14="http://schemas.microsoft.com/office/powerpoint/2010/main" val="3515993897"/>
+      </p:ext>
+    </p:extLst>
   </p:cSld>
   <p:clrMap bg1="lt1" tx1="dk1" bg2="lt2" tx2="dk2" accent1="accent1" accent2="accent2" accent3="accent3" accent4="accent4" accent5="accent5" accent6="accent6" hlink="hlink" folHlink="folHlink"/>
   <p:notesStyle>
@@ -305,7 +326,7 @@
             <a:fld id="{F7021451-1387-4CA6-816F-3879F97B5CBC}" type="slidenum">
               <a:rPr lang="en-US"/>
               <a:pPr/>
-              <a:t>1</a:t>
+              <a:t>2</a:t>
             </a:fld>
             <a:endParaRPr lang="en-US"/>
           </a:p>
@@ -314,7 +335,7 @@
     </p:spTree>
     <p:extLst>
       <p:ext uri="{BB962C8B-B14F-4D97-AF65-F5344CB8AC3E}">
-        <p14:creationId xmlns:p14="http://schemas.microsoft.com/office/powerpoint/2010/main" xmlns="" val="1024086991"/>
+        <p14:creationId xmlns:p14="http://schemas.microsoft.com/office/powerpoint/2010/main" val="1024086991"/>
       </p:ext>
     </p:extLst>
   </p:cSld>
@@ -370,7 +391,7 @@
           <a:p>
             <a:r>
               <a:rPr lang="en-US" dirty="0"/>
-              <a:t>Image source: https://www.healthit.gov/topic/patient-education-and-engagement</a:t>
+              <a:t>Image source: https://exoaevwea.blob.core.windows.net/vrq1xqtycm/key-performance-indicators-kpis.html</a:t>
             </a:r>
           </a:p>
         </p:txBody>
@@ -393,7 +414,7 @@
             <a:fld id="{F7021451-1387-4CA6-816F-3879F97B5CBC}" type="slidenum">
               <a:rPr lang="en-US"/>
               <a:pPr/>
-              <a:t>10</a:t>
+              <a:t>11</a:t>
             </a:fld>
             <a:endParaRPr lang="en-US"/>
           </a:p>
@@ -402,7 +423,7 @@
     </p:spTree>
     <p:extLst>
       <p:ext uri="{BB962C8B-B14F-4D97-AF65-F5344CB8AC3E}">
-        <p14:creationId xmlns:p14="http://schemas.microsoft.com/office/powerpoint/2010/main" xmlns="" val="1024086991"/>
+        <p14:creationId xmlns:p14="http://schemas.microsoft.com/office/powerpoint/2010/main" val="1024086991"/>
       </p:ext>
     </p:extLst>
   </p:cSld>
@@ -458,7 +479,7 @@
           <a:p>
             <a:r>
               <a:rPr lang="en-US" dirty="0"/>
-              <a:t>Image source: https://exoaevwea.blob.core.windows.net/vrq1xqtycm/key-performance-indicators-kpis.html</a:t>
+              <a:t>Image source: https://6tdgg.wceacses.org/</a:t>
             </a:r>
           </a:p>
         </p:txBody>
@@ -481,7 +502,7 @@
             <a:fld id="{F7021451-1387-4CA6-816F-3879F97B5CBC}" type="slidenum">
               <a:rPr lang="en-US"/>
               <a:pPr/>
-              <a:t>11</a:t>
+              <a:t>12</a:t>
             </a:fld>
             <a:endParaRPr lang="en-US"/>
           </a:p>
@@ -490,7 +511,7 @@
     </p:spTree>
     <p:extLst>
       <p:ext uri="{BB962C8B-B14F-4D97-AF65-F5344CB8AC3E}">
-        <p14:creationId xmlns:p14="http://schemas.microsoft.com/office/powerpoint/2010/main" xmlns="" val="1024086991"/>
+        <p14:creationId xmlns:p14="http://schemas.microsoft.com/office/powerpoint/2010/main" val="1024086991"/>
       </p:ext>
     </p:extLst>
   </p:cSld>
@@ -546,7 +567,7 @@
           <a:p>
             <a:r>
               <a:rPr lang="en-US" dirty="0"/>
-              <a:t>Image source: https://6tdgg.wceacses.org/</a:t>
+              <a:t>Image source: https://www.escardio.org/Journals/E-Journal-of-Cardiology-Practice/Volume-18/what-is-e-health</a:t>
             </a:r>
           </a:p>
         </p:txBody>
@@ -569,7 +590,7 @@
             <a:fld id="{F7021451-1387-4CA6-816F-3879F97B5CBC}" type="slidenum">
               <a:rPr lang="en-US"/>
               <a:pPr/>
-              <a:t>12</a:t>
+              <a:t>13</a:t>
             </a:fld>
             <a:endParaRPr lang="en-US"/>
           </a:p>
@@ -578,95 +599,7 @@
     </p:spTree>
     <p:extLst>
       <p:ext uri="{BB962C8B-B14F-4D97-AF65-F5344CB8AC3E}">
-        <p14:creationId xmlns:p14="http://schemas.microsoft.com/office/powerpoint/2010/main" xmlns="" val="1024086991"/>
-      </p:ext>
-    </p:extLst>
-  </p:cSld>
-  <p:clrMapOvr>
-    <a:masterClrMapping/>
-  </p:clrMapOvr>
-</p:notes>
-</file>
-
-<file path=ppt/notesSlides/notesSlide13.xml><?xml version="1.0" encoding="utf-8"?>
-<p:notes xmlns:a="http://schemas.openxmlformats.org/drawingml/2006/main" xmlns:r="http://schemas.openxmlformats.org/officeDocument/2006/relationships" xmlns:p="http://schemas.openxmlformats.org/presentationml/2006/main">
-  <p:cSld>
-    <p:spTree>
-      <p:nvGrpSpPr>
-        <p:cNvPr id="1" name=""/>
-        <p:cNvGrpSpPr/>
-        <p:nvPr/>
-      </p:nvGrpSpPr>
-      <p:grpSpPr>
-        <a:xfrm>
-          <a:off x="0" y="0"/>
-          <a:ext cx="0" cy="0"/>
-          <a:chOff x="0" y="0"/>
-          <a:chExt cx="0" cy="0"/>
-        </a:xfrm>
-      </p:grpSpPr>
-      <p:sp>
-        <p:nvSpPr>
-          <p:cNvPr id="2" name="Slide Image Placeholder 1"/>
-          <p:cNvSpPr>
-            <a:spLocks noGrp="1" noRot="1" noChangeAspect="1"/>
-          </p:cNvSpPr>
-          <p:nvPr>
-            <p:ph type="sldImg"/>
-          </p:nvPr>
-        </p:nvSpPr>
-        <p:spPr/>
-      </p:sp>
-      <p:sp>
-        <p:nvSpPr>
-          <p:cNvPr id="3" name="Notes Placeholder 2"/>
-          <p:cNvSpPr>
-            <a:spLocks noGrp="1"/>
-          </p:cNvSpPr>
-          <p:nvPr>
-            <p:ph type="body" idx="1"/>
-          </p:nvPr>
-        </p:nvSpPr>
-        <p:spPr/>
-        <p:txBody>
-          <a:bodyPr/>
-          <a:lstStyle/>
-          <a:p>
-            <a:r>
-              <a:rPr lang="en-US" dirty="0"/>
-              <a:t>Image source: https://www.escardio.org/Journals/E-Journal-of-Cardiology-Practice/Volume-18/what-is-e-health</a:t>
-            </a:r>
-          </a:p>
-        </p:txBody>
-      </p:sp>
-      <p:sp>
-        <p:nvSpPr>
-          <p:cNvPr id="4" name="Slide Number Placeholder 3"/>
-          <p:cNvSpPr>
-            <a:spLocks noGrp="1"/>
-          </p:cNvSpPr>
-          <p:nvPr>
-            <p:ph type="sldNum" sz="quarter" idx="10"/>
-          </p:nvPr>
-        </p:nvSpPr>
-        <p:spPr/>
-        <p:txBody>
-          <a:bodyPr/>
-          <a:lstStyle/>
-          <a:p>
-            <a:fld id="{F7021451-1387-4CA6-816F-3879F97B5CBC}" type="slidenum">
-              <a:rPr lang="en-US"/>
-              <a:pPr/>
-              <a:t>13</a:t>
-            </a:fld>
-            <a:endParaRPr lang="en-US"/>
-          </a:p>
-        </p:txBody>
-      </p:sp>
-    </p:spTree>
-    <p:extLst>
-      <p:ext uri="{BB962C8B-B14F-4D97-AF65-F5344CB8AC3E}">
-        <p14:creationId xmlns:p14="http://schemas.microsoft.com/office/powerpoint/2010/main" xmlns="" val="1024086991"/>
+        <p14:creationId xmlns:p14="http://schemas.microsoft.com/office/powerpoint/2010/main" val="1024086991"/>
       </p:ext>
     </p:extLst>
   </p:cSld>
@@ -720,7 +653,10 @@
           <a:bodyPr/>
           <a:lstStyle/>
           <a:p>
-            <a:endParaRPr lang="en-US" dirty="0"/>
+            <a:r>
+              <a:rPr lang="en-US" dirty="0"/>
+              <a:t>Image source: https://www.escardio.org/Journals/E-Journal-of-Cardiology-Practice/Volume-18/what-is-e-health</a:t>
+            </a:r>
           </a:p>
         </p:txBody>
       </p:sp>
@@ -742,7 +678,7 @@
             <a:fld id="{F7021451-1387-4CA6-816F-3879F97B5CBC}" type="slidenum">
               <a:rPr lang="en-US"/>
               <a:pPr/>
-              <a:t>2</a:t>
+              <a:t>3</a:t>
             </a:fld>
             <a:endParaRPr lang="en-US"/>
           </a:p>
@@ -751,7 +687,7 @@
     </p:spTree>
     <p:extLst>
       <p:ext uri="{BB962C8B-B14F-4D97-AF65-F5344CB8AC3E}">
-        <p14:creationId xmlns:p14="http://schemas.microsoft.com/office/powerpoint/2010/main" xmlns="" val="1024086991"/>
+        <p14:creationId xmlns:p14="http://schemas.microsoft.com/office/powerpoint/2010/main" val="1024086991"/>
       </p:ext>
     </p:extLst>
   </p:cSld>
@@ -807,7 +743,7 @@
           <a:p>
             <a:r>
               <a:rPr lang="en-US" dirty="0"/>
-              <a:t>Image source: https://www.escardio.org/Journals/E-Journal-of-Cardiology-Practice/Volume-18/what-is-e-health</a:t>
+              <a:t>Image source: https://template.mapadapalavra.ba.gov.br/en/ehr-implementation-plan-template.html</a:t>
             </a:r>
           </a:p>
         </p:txBody>
@@ -830,7 +766,7 @@
             <a:fld id="{F7021451-1387-4CA6-816F-3879F97B5CBC}" type="slidenum">
               <a:rPr lang="en-US"/>
               <a:pPr/>
-              <a:t>3</a:t>
+              <a:t>4</a:t>
             </a:fld>
             <a:endParaRPr lang="en-US"/>
           </a:p>
@@ -839,7 +775,7 @@
     </p:spTree>
     <p:extLst>
       <p:ext uri="{BB962C8B-B14F-4D97-AF65-F5344CB8AC3E}">
-        <p14:creationId xmlns:p14="http://schemas.microsoft.com/office/powerpoint/2010/main" xmlns="" val="1024086991"/>
+        <p14:creationId xmlns:p14="http://schemas.microsoft.com/office/powerpoint/2010/main" val="1024086991"/>
       </p:ext>
     </p:extLst>
   </p:cSld>
@@ -895,7 +831,7 @@
           <a:p>
             <a:r>
               <a:rPr lang="en-US" dirty="0"/>
-              <a:t>Image source: https://template.mapadapalavra.ba.gov.br/en/ehr-implementation-plan-template.html</a:t>
+              <a:t>Image source: https://www.oneclickitsolution.com/blog/benefits-of-video-conferencing/</a:t>
             </a:r>
           </a:p>
         </p:txBody>
@@ -918,7 +854,7 @@
             <a:fld id="{F7021451-1387-4CA6-816F-3879F97B5CBC}" type="slidenum">
               <a:rPr lang="en-US"/>
               <a:pPr/>
-              <a:t>4</a:t>
+              <a:t>5</a:t>
             </a:fld>
             <a:endParaRPr lang="en-US"/>
           </a:p>
@@ -927,7 +863,7 @@
     </p:spTree>
     <p:extLst>
       <p:ext uri="{BB962C8B-B14F-4D97-AF65-F5344CB8AC3E}">
-        <p14:creationId xmlns:p14="http://schemas.microsoft.com/office/powerpoint/2010/main" xmlns="" val="1024086991"/>
+        <p14:creationId xmlns:p14="http://schemas.microsoft.com/office/powerpoint/2010/main" val="1024086991"/>
       </p:ext>
     </p:extLst>
   </p:cSld>
@@ -983,7 +919,7 @@
           <a:p>
             <a:r>
               <a:rPr lang="en-US" dirty="0"/>
-              <a:t>Image source: https://www.oneclickitsolution.com/blog/benefits-of-video-conferencing/</a:t>
+              <a:t>Image source: https://cashier.mijndomein.nl/en/target-audience-template.html</a:t>
             </a:r>
           </a:p>
         </p:txBody>
@@ -1006,7 +942,7 @@
             <a:fld id="{F7021451-1387-4CA6-816F-3879F97B5CBC}" type="slidenum">
               <a:rPr lang="en-US"/>
               <a:pPr/>
-              <a:t>5</a:t>
+              <a:t>6</a:t>
             </a:fld>
             <a:endParaRPr lang="en-US"/>
           </a:p>
@@ -1015,7 +951,7 @@
     </p:spTree>
     <p:extLst>
       <p:ext uri="{BB962C8B-B14F-4D97-AF65-F5344CB8AC3E}">
-        <p14:creationId xmlns:p14="http://schemas.microsoft.com/office/powerpoint/2010/main" xmlns="" val="1024086991"/>
+        <p14:creationId xmlns:p14="http://schemas.microsoft.com/office/powerpoint/2010/main" val="1024086991"/>
       </p:ext>
     </p:extLst>
   </p:cSld>
@@ -1071,7 +1007,7 @@
           <a:p>
             <a:r>
               <a:rPr lang="en-US" dirty="0"/>
-              <a:t>Image source: https://cashier.mijndomein.nl/en/target-audience-template.html</a:t>
+              <a:t>Image source: https://workplays.ph/blog/opt-coworking-space/</a:t>
             </a:r>
           </a:p>
         </p:txBody>
@@ -1094,7 +1030,7 @@
             <a:fld id="{F7021451-1387-4CA6-816F-3879F97B5CBC}" type="slidenum">
               <a:rPr lang="en-US"/>
               <a:pPr/>
-              <a:t>6</a:t>
+              <a:t>7</a:t>
             </a:fld>
             <a:endParaRPr lang="en-US"/>
           </a:p>
@@ -1103,7 +1039,7 @@
     </p:spTree>
     <p:extLst>
       <p:ext uri="{BB962C8B-B14F-4D97-AF65-F5344CB8AC3E}">
-        <p14:creationId xmlns:p14="http://schemas.microsoft.com/office/powerpoint/2010/main" xmlns="" val="1024086991"/>
+        <p14:creationId xmlns:p14="http://schemas.microsoft.com/office/powerpoint/2010/main" val="1024086991"/>
       </p:ext>
     </p:extLst>
   </p:cSld>
@@ -1159,7 +1095,7 @@
           <a:p>
             <a:r>
               <a:rPr lang="en-US" dirty="0"/>
-              <a:t>Image source: https://workplays.ph/blog/opt-coworking-space/</a:t>
+              <a:t>Image source: https://www.slideteam.net/blog/top-7-project-implementation-plan-templates</a:t>
             </a:r>
           </a:p>
         </p:txBody>
@@ -1182,7 +1118,7 @@
             <a:fld id="{F7021451-1387-4CA6-816F-3879F97B5CBC}" type="slidenum">
               <a:rPr lang="en-US"/>
               <a:pPr/>
-              <a:t>7</a:t>
+              <a:t>8</a:t>
             </a:fld>
             <a:endParaRPr lang="en-US"/>
           </a:p>
@@ -1191,7 +1127,7 @@
     </p:spTree>
     <p:extLst>
       <p:ext uri="{BB962C8B-B14F-4D97-AF65-F5344CB8AC3E}">
-        <p14:creationId xmlns:p14="http://schemas.microsoft.com/office/powerpoint/2010/main" xmlns="" val="1024086991"/>
+        <p14:creationId xmlns:p14="http://schemas.microsoft.com/office/powerpoint/2010/main" val="1024086991"/>
       </p:ext>
     </p:extLst>
   </p:cSld>
@@ -1247,7 +1183,7 @@
           <a:p>
             <a:r>
               <a:rPr lang="en-US" dirty="0"/>
-              <a:t>Image source: https://www.slideteam.net/blog/top-7-project-implementation-plan-templates</a:t>
+              <a:t>Image source: https://www.coeosolutions.com/network-and-connectivity-issues</a:t>
             </a:r>
           </a:p>
         </p:txBody>
@@ -1270,7 +1206,7 @@
             <a:fld id="{F7021451-1387-4CA6-816F-3879F97B5CBC}" type="slidenum">
               <a:rPr lang="en-US"/>
               <a:pPr/>
-              <a:t>8</a:t>
+              <a:t>9</a:t>
             </a:fld>
             <a:endParaRPr lang="en-US"/>
           </a:p>
@@ -1279,7 +1215,7 @@
     </p:spTree>
     <p:extLst>
       <p:ext uri="{BB962C8B-B14F-4D97-AF65-F5344CB8AC3E}">
-        <p14:creationId xmlns:p14="http://schemas.microsoft.com/office/powerpoint/2010/main" xmlns="" val="1024086991"/>
+        <p14:creationId xmlns:p14="http://schemas.microsoft.com/office/powerpoint/2010/main" val="1024086991"/>
       </p:ext>
     </p:extLst>
   </p:cSld>
@@ -1335,7 +1271,7 @@
           <a:p>
             <a:r>
               <a:rPr lang="en-US" dirty="0"/>
-              <a:t>Image source: https://www.coeosolutions.com/network-and-connectivity-issues</a:t>
+              <a:t>Image source: https://www.healthit.gov/topic/patient-education-and-engagement</a:t>
             </a:r>
           </a:p>
         </p:txBody>
@@ -1358,7 +1294,7 @@
             <a:fld id="{F7021451-1387-4CA6-816F-3879F97B5CBC}" type="slidenum">
               <a:rPr lang="en-US"/>
               <a:pPr/>
-              <a:t>9</a:t>
+              <a:t>10</a:t>
             </a:fld>
             <a:endParaRPr lang="en-US"/>
           </a:p>
@@ -1367,7 +1303,7 @@
     </p:spTree>
     <p:extLst>
       <p:ext uri="{BB962C8B-B14F-4D97-AF65-F5344CB8AC3E}">
-        <p14:creationId xmlns:p14="http://schemas.microsoft.com/office/powerpoint/2010/main" xmlns="" val="1024086991"/>
+        <p14:creationId xmlns:p14="http://schemas.microsoft.com/office/powerpoint/2010/main" val="1024086991"/>
       </p:ext>
     </p:extLst>
   </p:cSld>
@@ -1402,9 +1338,630 @@
 </p:sldLayout>
 </file>
 
+<file path=ppt/slideLayouts/slideLayout2.xml><?xml version="1.0" encoding="utf-8"?>
+<p:sldLayout xmlns:a="http://schemas.openxmlformats.org/drawingml/2006/main" xmlns:r="http://schemas.openxmlformats.org/officeDocument/2006/relationships" xmlns:p="http://schemas.openxmlformats.org/presentationml/2006/main" showMasterSp="0" type="title">
+  <p:cSld name="1_Title Slide">
+    <p:spTree>
+      <p:nvGrpSpPr>
+        <p:cNvPr id="1" name=""/>
+        <p:cNvGrpSpPr/>
+        <p:nvPr/>
+      </p:nvGrpSpPr>
+      <p:grpSpPr>
+        <a:xfrm>
+          <a:off x="0" y="0"/>
+          <a:ext cx="0" cy="0"/>
+          <a:chOff x="0" y="0"/>
+          <a:chExt cx="0" cy="0"/>
+        </a:xfrm>
+      </p:grpSpPr>
+      <p:sp>
+        <p:nvSpPr>
+          <p:cNvPr id="2" name="Text Box 4"/>
+          <p:cNvSpPr txBox="1">
+            <a:spLocks noChangeArrowheads="1"/>
+          </p:cNvSpPr>
+          <p:nvPr/>
+        </p:nvSpPr>
+        <p:spPr bwMode="auto">
+          <a:xfrm>
+            <a:off x="1431636" y="27385"/>
+            <a:ext cx="184731" cy="300082"/>
+          </a:xfrm>
+          <a:prstGeom prst="rect">
+            <a:avLst/>
+          </a:prstGeom>
+          <a:noFill/>
+          <a:ln>
+            <a:noFill/>
+          </a:ln>
+        </p:spPr>
+        <p:txBody>
+          <a:bodyPr wrap="none">
+            <a:spAutoFit/>
+          </a:bodyPr>
+          <a:lstStyle>
+            <a:lvl1pPr eaLnBrk="0" hangingPunct="0">
+              <a:defRPr sz="3200">
+                <a:solidFill>
+                  <a:srgbClr val="000066"/>
+                </a:solidFill>
+                <a:latin typeface="Berlin Sans FB" pitchFamily="34" charset="0"/>
+                <a:cs typeface="Arial" pitchFamily="34" charset="0"/>
+              </a:defRPr>
+            </a:lvl1pPr>
+            <a:lvl2pPr marL="742950" indent="-285750" eaLnBrk="0" hangingPunct="0">
+              <a:defRPr sz="3200">
+                <a:solidFill>
+                  <a:srgbClr val="000066"/>
+                </a:solidFill>
+                <a:latin typeface="Berlin Sans FB" pitchFamily="34" charset="0"/>
+                <a:cs typeface="Arial" pitchFamily="34" charset="0"/>
+              </a:defRPr>
+            </a:lvl2pPr>
+            <a:lvl3pPr marL="1143000" indent="-228600" eaLnBrk="0" hangingPunct="0">
+              <a:defRPr sz="3200">
+                <a:solidFill>
+                  <a:srgbClr val="000066"/>
+                </a:solidFill>
+                <a:latin typeface="Berlin Sans FB" pitchFamily="34" charset="0"/>
+                <a:cs typeface="Arial" pitchFamily="34" charset="0"/>
+              </a:defRPr>
+            </a:lvl3pPr>
+            <a:lvl4pPr marL="1600200" indent="-228600" eaLnBrk="0" hangingPunct="0">
+              <a:defRPr sz="3200">
+                <a:solidFill>
+                  <a:srgbClr val="000066"/>
+                </a:solidFill>
+                <a:latin typeface="Berlin Sans FB" pitchFamily="34" charset="0"/>
+                <a:cs typeface="Arial" pitchFamily="34" charset="0"/>
+              </a:defRPr>
+            </a:lvl4pPr>
+            <a:lvl5pPr marL="2057400" indent="-228600" eaLnBrk="0" hangingPunct="0">
+              <a:defRPr sz="3200">
+                <a:solidFill>
+                  <a:srgbClr val="000066"/>
+                </a:solidFill>
+                <a:latin typeface="Berlin Sans FB" pitchFamily="34" charset="0"/>
+                <a:cs typeface="Arial" pitchFamily="34" charset="0"/>
+              </a:defRPr>
+            </a:lvl5pPr>
+            <a:lvl6pPr marL="2514600" indent="-228600" eaLnBrk="0" fontAlgn="base" hangingPunct="0">
+              <a:spcBef>
+                <a:spcPct val="0"/>
+              </a:spcBef>
+              <a:spcAft>
+                <a:spcPct val="0"/>
+              </a:spcAft>
+              <a:defRPr sz="3200">
+                <a:solidFill>
+                  <a:srgbClr val="000066"/>
+                </a:solidFill>
+                <a:latin typeface="Berlin Sans FB" pitchFamily="34" charset="0"/>
+                <a:cs typeface="Arial" pitchFamily="34" charset="0"/>
+              </a:defRPr>
+            </a:lvl6pPr>
+            <a:lvl7pPr marL="2971800" indent="-228600" eaLnBrk="0" fontAlgn="base" hangingPunct="0">
+              <a:spcBef>
+                <a:spcPct val="0"/>
+              </a:spcBef>
+              <a:spcAft>
+                <a:spcPct val="0"/>
+              </a:spcAft>
+              <a:defRPr sz="3200">
+                <a:solidFill>
+                  <a:srgbClr val="000066"/>
+                </a:solidFill>
+                <a:latin typeface="Berlin Sans FB" pitchFamily="34" charset="0"/>
+                <a:cs typeface="Arial" pitchFamily="34" charset="0"/>
+              </a:defRPr>
+            </a:lvl7pPr>
+            <a:lvl8pPr marL="3429000" indent="-228600" eaLnBrk="0" fontAlgn="base" hangingPunct="0">
+              <a:spcBef>
+                <a:spcPct val="0"/>
+              </a:spcBef>
+              <a:spcAft>
+                <a:spcPct val="0"/>
+              </a:spcAft>
+              <a:defRPr sz="3200">
+                <a:solidFill>
+                  <a:srgbClr val="000066"/>
+                </a:solidFill>
+                <a:latin typeface="Berlin Sans FB" pitchFamily="34" charset="0"/>
+                <a:cs typeface="Arial" pitchFamily="34" charset="0"/>
+              </a:defRPr>
+            </a:lvl8pPr>
+            <a:lvl9pPr marL="3886200" indent="-228600" eaLnBrk="0" fontAlgn="base" hangingPunct="0">
+              <a:spcBef>
+                <a:spcPct val="0"/>
+              </a:spcBef>
+              <a:spcAft>
+                <a:spcPct val="0"/>
+              </a:spcAft>
+              <a:defRPr sz="3200">
+                <a:solidFill>
+                  <a:srgbClr val="000066"/>
+                </a:solidFill>
+                <a:latin typeface="Berlin Sans FB" pitchFamily="34" charset="0"/>
+                <a:cs typeface="Arial" pitchFamily="34" charset="0"/>
+              </a:defRPr>
+            </a:lvl9pPr>
+          </a:lstStyle>
+          <a:p>
+            <a:pPr algn="ctr" eaLnBrk="1" hangingPunct="1">
+              <a:defRPr/>
+            </a:pPr>
+            <a:endParaRPr lang="en-US" sz="1350">
+              <a:solidFill>
+                <a:srgbClr val="000000"/>
+              </a:solidFill>
+            </a:endParaRPr>
+          </a:p>
+        </p:txBody>
+      </p:sp>
+      <p:sp>
+        <p:nvSpPr>
+          <p:cNvPr id="3" name="Text Box 5"/>
+          <p:cNvSpPr txBox="1">
+            <a:spLocks noChangeArrowheads="1"/>
+          </p:cNvSpPr>
+          <p:nvPr/>
+        </p:nvSpPr>
+        <p:spPr bwMode="auto">
+          <a:xfrm>
+            <a:off x="1584326" y="198835"/>
+            <a:ext cx="6950075" cy="300082"/>
+          </a:xfrm>
+          <a:prstGeom prst="rect">
+            <a:avLst/>
+          </a:prstGeom>
+          <a:noFill/>
+          <a:ln>
+            <a:noFill/>
+          </a:ln>
+        </p:spPr>
+        <p:txBody>
+          <a:bodyPr>
+            <a:spAutoFit/>
+          </a:bodyPr>
+          <a:lstStyle>
+            <a:lvl1pPr eaLnBrk="0" hangingPunct="0">
+              <a:defRPr sz="3200">
+                <a:solidFill>
+                  <a:srgbClr val="000066"/>
+                </a:solidFill>
+                <a:latin typeface="Berlin Sans FB" pitchFamily="34" charset="0"/>
+                <a:cs typeface="Arial" pitchFamily="34" charset="0"/>
+              </a:defRPr>
+            </a:lvl1pPr>
+            <a:lvl2pPr marL="742950" indent="-285750" eaLnBrk="0" hangingPunct="0">
+              <a:defRPr sz="3200">
+                <a:solidFill>
+                  <a:srgbClr val="000066"/>
+                </a:solidFill>
+                <a:latin typeface="Berlin Sans FB" pitchFamily="34" charset="0"/>
+                <a:cs typeface="Arial" pitchFamily="34" charset="0"/>
+              </a:defRPr>
+            </a:lvl2pPr>
+            <a:lvl3pPr marL="1143000" indent="-228600" eaLnBrk="0" hangingPunct="0">
+              <a:defRPr sz="3200">
+                <a:solidFill>
+                  <a:srgbClr val="000066"/>
+                </a:solidFill>
+                <a:latin typeface="Berlin Sans FB" pitchFamily="34" charset="0"/>
+                <a:cs typeface="Arial" pitchFamily="34" charset="0"/>
+              </a:defRPr>
+            </a:lvl3pPr>
+            <a:lvl4pPr marL="1600200" indent="-228600" eaLnBrk="0" hangingPunct="0">
+              <a:defRPr sz="3200">
+                <a:solidFill>
+                  <a:srgbClr val="000066"/>
+                </a:solidFill>
+                <a:latin typeface="Berlin Sans FB" pitchFamily="34" charset="0"/>
+                <a:cs typeface="Arial" pitchFamily="34" charset="0"/>
+              </a:defRPr>
+            </a:lvl4pPr>
+            <a:lvl5pPr marL="2057400" indent="-228600" eaLnBrk="0" hangingPunct="0">
+              <a:defRPr sz="3200">
+                <a:solidFill>
+                  <a:srgbClr val="000066"/>
+                </a:solidFill>
+                <a:latin typeface="Berlin Sans FB" pitchFamily="34" charset="0"/>
+                <a:cs typeface="Arial" pitchFamily="34" charset="0"/>
+              </a:defRPr>
+            </a:lvl5pPr>
+            <a:lvl6pPr marL="2514600" indent="-228600" eaLnBrk="0" fontAlgn="base" hangingPunct="0">
+              <a:spcBef>
+                <a:spcPct val="0"/>
+              </a:spcBef>
+              <a:spcAft>
+                <a:spcPct val="0"/>
+              </a:spcAft>
+              <a:defRPr sz="3200">
+                <a:solidFill>
+                  <a:srgbClr val="000066"/>
+                </a:solidFill>
+                <a:latin typeface="Berlin Sans FB" pitchFamily="34" charset="0"/>
+                <a:cs typeface="Arial" pitchFamily="34" charset="0"/>
+              </a:defRPr>
+            </a:lvl6pPr>
+            <a:lvl7pPr marL="2971800" indent="-228600" eaLnBrk="0" fontAlgn="base" hangingPunct="0">
+              <a:spcBef>
+                <a:spcPct val="0"/>
+              </a:spcBef>
+              <a:spcAft>
+                <a:spcPct val="0"/>
+              </a:spcAft>
+              <a:defRPr sz="3200">
+                <a:solidFill>
+                  <a:srgbClr val="000066"/>
+                </a:solidFill>
+                <a:latin typeface="Berlin Sans FB" pitchFamily="34" charset="0"/>
+                <a:cs typeface="Arial" pitchFamily="34" charset="0"/>
+              </a:defRPr>
+            </a:lvl7pPr>
+            <a:lvl8pPr marL="3429000" indent="-228600" eaLnBrk="0" fontAlgn="base" hangingPunct="0">
+              <a:spcBef>
+                <a:spcPct val="0"/>
+              </a:spcBef>
+              <a:spcAft>
+                <a:spcPct val="0"/>
+              </a:spcAft>
+              <a:defRPr sz="3200">
+                <a:solidFill>
+                  <a:srgbClr val="000066"/>
+                </a:solidFill>
+                <a:latin typeface="Berlin Sans FB" pitchFamily="34" charset="0"/>
+                <a:cs typeface="Arial" pitchFamily="34" charset="0"/>
+              </a:defRPr>
+            </a:lvl8pPr>
+            <a:lvl9pPr marL="3886200" indent="-228600" eaLnBrk="0" fontAlgn="base" hangingPunct="0">
+              <a:spcBef>
+                <a:spcPct val="0"/>
+              </a:spcBef>
+              <a:spcAft>
+                <a:spcPct val="0"/>
+              </a:spcAft>
+              <a:defRPr sz="3200">
+                <a:solidFill>
+                  <a:srgbClr val="000066"/>
+                </a:solidFill>
+                <a:latin typeface="Berlin Sans FB" pitchFamily="34" charset="0"/>
+                <a:cs typeface="Arial" pitchFamily="34" charset="0"/>
+              </a:defRPr>
+            </a:lvl9pPr>
+          </a:lstStyle>
+          <a:p>
+            <a:pPr algn="ctr" eaLnBrk="1" hangingPunct="1">
+              <a:defRPr/>
+            </a:pPr>
+            <a:endParaRPr lang="en-US" sz="1350">
+              <a:solidFill>
+                <a:srgbClr val="000000"/>
+              </a:solidFill>
+            </a:endParaRPr>
+          </a:p>
+        </p:txBody>
+      </p:sp>
+      <p:sp>
+        <p:nvSpPr>
+          <p:cNvPr id="4" name="Text Box 6"/>
+          <p:cNvSpPr txBox="1">
+            <a:spLocks noChangeArrowheads="1"/>
+          </p:cNvSpPr>
+          <p:nvPr/>
+        </p:nvSpPr>
+        <p:spPr bwMode="auto">
+          <a:xfrm>
+            <a:off x="152401" y="0"/>
+            <a:ext cx="8778875" cy="300082"/>
+          </a:xfrm>
+          <a:prstGeom prst="rect">
+            <a:avLst/>
+          </a:prstGeom>
+          <a:noFill/>
+          <a:ln>
+            <a:noFill/>
+          </a:ln>
+        </p:spPr>
+        <p:txBody>
+          <a:bodyPr>
+            <a:spAutoFit/>
+          </a:bodyPr>
+          <a:lstStyle>
+            <a:lvl1pPr eaLnBrk="0" hangingPunct="0">
+              <a:defRPr sz="3200">
+                <a:solidFill>
+                  <a:srgbClr val="000066"/>
+                </a:solidFill>
+                <a:latin typeface="Berlin Sans FB" pitchFamily="34" charset="0"/>
+                <a:cs typeface="Arial" pitchFamily="34" charset="0"/>
+              </a:defRPr>
+            </a:lvl1pPr>
+            <a:lvl2pPr marL="742950" indent="-285750" eaLnBrk="0" hangingPunct="0">
+              <a:defRPr sz="3200">
+                <a:solidFill>
+                  <a:srgbClr val="000066"/>
+                </a:solidFill>
+                <a:latin typeface="Berlin Sans FB" pitchFamily="34" charset="0"/>
+                <a:cs typeface="Arial" pitchFamily="34" charset="0"/>
+              </a:defRPr>
+            </a:lvl2pPr>
+            <a:lvl3pPr marL="1143000" indent="-228600" eaLnBrk="0" hangingPunct="0">
+              <a:defRPr sz="3200">
+                <a:solidFill>
+                  <a:srgbClr val="000066"/>
+                </a:solidFill>
+                <a:latin typeface="Berlin Sans FB" pitchFamily="34" charset="0"/>
+                <a:cs typeface="Arial" pitchFamily="34" charset="0"/>
+              </a:defRPr>
+            </a:lvl3pPr>
+            <a:lvl4pPr marL="1600200" indent="-228600" eaLnBrk="0" hangingPunct="0">
+              <a:defRPr sz="3200">
+                <a:solidFill>
+                  <a:srgbClr val="000066"/>
+                </a:solidFill>
+                <a:latin typeface="Berlin Sans FB" pitchFamily="34" charset="0"/>
+                <a:cs typeface="Arial" pitchFamily="34" charset="0"/>
+              </a:defRPr>
+            </a:lvl4pPr>
+            <a:lvl5pPr marL="2057400" indent="-228600" eaLnBrk="0" hangingPunct="0">
+              <a:defRPr sz="3200">
+                <a:solidFill>
+                  <a:srgbClr val="000066"/>
+                </a:solidFill>
+                <a:latin typeface="Berlin Sans FB" pitchFamily="34" charset="0"/>
+                <a:cs typeface="Arial" pitchFamily="34" charset="0"/>
+              </a:defRPr>
+            </a:lvl5pPr>
+            <a:lvl6pPr marL="2514600" indent="-228600" eaLnBrk="0" fontAlgn="base" hangingPunct="0">
+              <a:spcBef>
+                <a:spcPct val="0"/>
+              </a:spcBef>
+              <a:spcAft>
+                <a:spcPct val="0"/>
+              </a:spcAft>
+              <a:defRPr sz="3200">
+                <a:solidFill>
+                  <a:srgbClr val="000066"/>
+                </a:solidFill>
+                <a:latin typeface="Berlin Sans FB" pitchFamily="34" charset="0"/>
+                <a:cs typeface="Arial" pitchFamily="34" charset="0"/>
+              </a:defRPr>
+            </a:lvl6pPr>
+            <a:lvl7pPr marL="2971800" indent="-228600" eaLnBrk="0" fontAlgn="base" hangingPunct="0">
+              <a:spcBef>
+                <a:spcPct val="0"/>
+              </a:spcBef>
+              <a:spcAft>
+                <a:spcPct val="0"/>
+              </a:spcAft>
+              <a:defRPr sz="3200">
+                <a:solidFill>
+                  <a:srgbClr val="000066"/>
+                </a:solidFill>
+                <a:latin typeface="Berlin Sans FB" pitchFamily="34" charset="0"/>
+                <a:cs typeface="Arial" pitchFamily="34" charset="0"/>
+              </a:defRPr>
+            </a:lvl7pPr>
+            <a:lvl8pPr marL="3429000" indent="-228600" eaLnBrk="0" fontAlgn="base" hangingPunct="0">
+              <a:spcBef>
+                <a:spcPct val="0"/>
+              </a:spcBef>
+              <a:spcAft>
+                <a:spcPct val="0"/>
+              </a:spcAft>
+              <a:defRPr sz="3200">
+                <a:solidFill>
+                  <a:srgbClr val="000066"/>
+                </a:solidFill>
+                <a:latin typeface="Berlin Sans FB" pitchFamily="34" charset="0"/>
+                <a:cs typeface="Arial" pitchFamily="34" charset="0"/>
+              </a:defRPr>
+            </a:lvl8pPr>
+            <a:lvl9pPr marL="3886200" indent="-228600" eaLnBrk="0" fontAlgn="base" hangingPunct="0">
+              <a:spcBef>
+                <a:spcPct val="0"/>
+              </a:spcBef>
+              <a:spcAft>
+                <a:spcPct val="0"/>
+              </a:spcAft>
+              <a:defRPr sz="3200">
+                <a:solidFill>
+                  <a:srgbClr val="000066"/>
+                </a:solidFill>
+                <a:latin typeface="Berlin Sans FB" pitchFamily="34" charset="0"/>
+                <a:cs typeface="Arial" pitchFamily="34" charset="0"/>
+              </a:defRPr>
+            </a:lvl9pPr>
+          </a:lstStyle>
+          <a:p>
+            <a:pPr algn="ctr" eaLnBrk="1" hangingPunct="1">
+              <a:defRPr/>
+            </a:pPr>
+            <a:endParaRPr lang="en-US" sz="1350">
+              <a:solidFill>
+                <a:srgbClr val="000000"/>
+              </a:solidFill>
+            </a:endParaRPr>
+          </a:p>
+        </p:txBody>
+      </p:sp>
+      <p:sp>
+        <p:nvSpPr>
+          <p:cNvPr id="5" name="Text Box 7"/>
+          <p:cNvSpPr txBox="1">
+            <a:spLocks noChangeArrowheads="1"/>
+          </p:cNvSpPr>
+          <p:nvPr/>
+        </p:nvSpPr>
+        <p:spPr bwMode="auto">
+          <a:xfrm>
+            <a:off x="1431636" y="198835"/>
+            <a:ext cx="184731" cy="300082"/>
+          </a:xfrm>
+          <a:prstGeom prst="rect">
+            <a:avLst/>
+          </a:prstGeom>
+          <a:noFill/>
+          <a:ln>
+            <a:noFill/>
+          </a:ln>
+        </p:spPr>
+        <p:txBody>
+          <a:bodyPr wrap="none">
+            <a:spAutoFit/>
+          </a:bodyPr>
+          <a:lstStyle>
+            <a:lvl1pPr eaLnBrk="0" hangingPunct="0">
+              <a:defRPr sz="3200">
+                <a:solidFill>
+                  <a:srgbClr val="000066"/>
+                </a:solidFill>
+                <a:latin typeface="Berlin Sans FB" pitchFamily="34" charset="0"/>
+                <a:cs typeface="Arial" pitchFamily="34" charset="0"/>
+              </a:defRPr>
+            </a:lvl1pPr>
+            <a:lvl2pPr marL="742950" indent="-285750" eaLnBrk="0" hangingPunct="0">
+              <a:defRPr sz="3200">
+                <a:solidFill>
+                  <a:srgbClr val="000066"/>
+                </a:solidFill>
+                <a:latin typeface="Berlin Sans FB" pitchFamily="34" charset="0"/>
+                <a:cs typeface="Arial" pitchFamily="34" charset="0"/>
+              </a:defRPr>
+            </a:lvl2pPr>
+            <a:lvl3pPr marL="1143000" indent="-228600" eaLnBrk="0" hangingPunct="0">
+              <a:defRPr sz="3200">
+                <a:solidFill>
+                  <a:srgbClr val="000066"/>
+                </a:solidFill>
+                <a:latin typeface="Berlin Sans FB" pitchFamily="34" charset="0"/>
+                <a:cs typeface="Arial" pitchFamily="34" charset="0"/>
+              </a:defRPr>
+            </a:lvl3pPr>
+            <a:lvl4pPr marL="1600200" indent="-228600" eaLnBrk="0" hangingPunct="0">
+              <a:defRPr sz="3200">
+                <a:solidFill>
+                  <a:srgbClr val="000066"/>
+                </a:solidFill>
+                <a:latin typeface="Berlin Sans FB" pitchFamily="34" charset="0"/>
+                <a:cs typeface="Arial" pitchFamily="34" charset="0"/>
+              </a:defRPr>
+            </a:lvl4pPr>
+            <a:lvl5pPr marL="2057400" indent="-228600" eaLnBrk="0" hangingPunct="0">
+              <a:defRPr sz="3200">
+                <a:solidFill>
+                  <a:srgbClr val="000066"/>
+                </a:solidFill>
+                <a:latin typeface="Berlin Sans FB" pitchFamily="34" charset="0"/>
+                <a:cs typeface="Arial" pitchFamily="34" charset="0"/>
+              </a:defRPr>
+            </a:lvl5pPr>
+            <a:lvl6pPr marL="2514600" indent="-228600" eaLnBrk="0" fontAlgn="base" hangingPunct="0">
+              <a:spcBef>
+                <a:spcPct val="0"/>
+              </a:spcBef>
+              <a:spcAft>
+                <a:spcPct val="0"/>
+              </a:spcAft>
+              <a:defRPr sz="3200">
+                <a:solidFill>
+                  <a:srgbClr val="000066"/>
+                </a:solidFill>
+                <a:latin typeface="Berlin Sans FB" pitchFamily="34" charset="0"/>
+                <a:cs typeface="Arial" pitchFamily="34" charset="0"/>
+              </a:defRPr>
+            </a:lvl6pPr>
+            <a:lvl7pPr marL="2971800" indent="-228600" eaLnBrk="0" fontAlgn="base" hangingPunct="0">
+              <a:spcBef>
+                <a:spcPct val="0"/>
+              </a:spcBef>
+              <a:spcAft>
+                <a:spcPct val="0"/>
+              </a:spcAft>
+              <a:defRPr sz="3200">
+                <a:solidFill>
+                  <a:srgbClr val="000066"/>
+                </a:solidFill>
+                <a:latin typeface="Berlin Sans FB" pitchFamily="34" charset="0"/>
+                <a:cs typeface="Arial" pitchFamily="34" charset="0"/>
+              </a:defRPr>
+            </a:lvl7pPr>
+            <a:lvl8pPr marL="3429000" indent="-228600" eaLnBrk="0" fontAlgn="base" hangingPunct="0">
+              <a:spcBef>
+                <a:spcPct val="0"/>
+              </a:spcBef>
+              <a:spcAft>
+                <a:spcPct val="0"/>
+              </a:spcAft>
+              <a:defRPr sz="3200">
+                <a:solidFill>
+                  <a:srgbClr val="000066"/>
+                </a:solidFill>
+                <a:latin typeface="Berlin Sans FB" pitchFamily="34" charset="0"/>
+                <a:cs typeface="Arial" pitchFamily="34" charset="0"/>
+              </a:defRPr>
+            </a:lvl8pPr>
+            <a:lvl9pPr marL="3886200" indent="-228600" eaLnBrk="0" fontAlgn="base" hangingPunct="0">
+              <a:spcBef>
+                <a:spcPct val="0"/>
+              </a:spcBef>
+              <a:spcAft>
+                <a:spcPct val="0"/>
+              </a:spcAft>
+              <a:defRPr sz="3200">
+                <a:solidFill>
+                  <a:srgbClr val="000066"/>
+                </a:solidFill>
+                <a:latin typeface="Berlin Sans FB" pitchFamily="34" charset="0"/>
+                <a:cs typeface="Arial" pitchFamily="34" charset="0"/>
+              </a:defRPr>
+            </a:lvl9pPr>
+          </a:lstStyle>
+          <a:p>
+            <a:pPr algn="ctr" eaLnBrk="1" hangingPunct="1">
+              <a:defRPr/>
+            </a:pPr>
+            <a:endParaRPr lang="en-US" sz="1350">
+              <a:solidFill>
+                <a:srgbClr val="000000"/>
+              </a:solidFill>
+            </a:endParaRPr>
+          </a:p>
+        </p:txBody>
+      </p:sp>
+    </p:spTree>
+    <p:extLst>
+      <p:ext uri="{BB962C8B-B14F-4D97-AF65-F5344CB8AC3E}">
+        <p14:creationId xmlns:p14="http://schemas.microsoft.com/office/powerpoint/2010/main" val="332850634"/>
+      </p:ext>
+    </p:extLst>
+  </p:cSld>
+  <p:clrMapOvr>
+    <a:masterClrMapping/>
+  </p:clrMapOvr>
+  <p:transition/>
+</p:sldLayout>
+</file>
+
 <file path=ppt/slideMasters/slideMaster1.xml><?xml version="1.0" encoding="utf-8"?>
 <p:sldMaster xmlns:a="http://schemas.openxmlformats.org/drawingml/2006/main" xmlns:r="http://schemas.openxmlformats.org/officeDocument/2006/relationships" xmlns:p="http://schemas.openxmlformats.org/presentationml/2006/main">
   <p:cSld>
+    <p:bg>
+      <p:bgPr>
+        <a:blipFill dpi="0" rotWithShape="1">
+          <a:blip r:embed="rId4">
+            <a:lum/>
+          </a:blip>
+          <a:srcRect/>
+          <a:stretch>
+            <a:fillRect/>
+          </a:stretch>
+        </a:blipFill>
+        <a:effectLst/>
+      </p:bgPr>
+    </p:bg>
     <p:spTree>
       <p:nvGrpSpPr>
         <p:cNvPr id="1" name=""/>
@@ -1424,6 +1981,7 @@
   <p:clrMap bg1="lt1" tx1="dk1" bg2="lt2" tx2="dk2" accent1="accent1" accent2="accent2" accent3="accent3" accent4="accent4" accent5="accent5" accent6="accent6" hlink="hlink" folHlink="folHlink"/>
   <p:sldLayoutIdLst>
     <p:sldLayoutId id="2147483649" r:id="rId1"/>
+    <p:sldLayoutId id="2147483650" r:id="rId2"/>
   </p:sldLayoutIdLst>
   <p:hf sldNum="0" hdr="0" ftr="0" dt="0"/>
   <p:txStyles>
@@ -1698,83 +2256,701 @@
       </p:grpSpPr>
       <p:sp>
         <p:nvSpPr>
-          <p:cNvPr id="2" name="Text 0"/>
+          <p:cNvPr id="2" name="Rectangle 1"/>
           <p:cNvSpPr/>
           <p:nvPr/>
         </p:nvSpPr>
         <p:spPr>
           <a:xfrm>
-            <a:off x="2367314" y="2355040"/>
-            <a:ext cx="4740766" cy="834620"/>
+            <a:off x="0" y="0"/>
+            <a:ext cx="9144000" cy="5143500"/>
+          </a:xfrm>
+          <a:prstGeom prst="rect">
+            <a:avLst/>
+          </a:prstGeom>
+          <a:solidFill>
+            <a:srgbClr val="2F71A2"/>
+          </a:solidFill>
+          <a:ln w="25400" cap="flat" cmpd="sng" algn="ctr">
+            <a:noFill/>
+            <a:prstDash val="solid"/>
+          </a:ln>
+          <a:effectLst/>
+        </p:spPr>
+        <p:txBody>
+          <a:bodyPr anchor="t"/>
+          <a:lstStyle/>
+          <a:p>
+            <a:pPr algn="ctr">
+              <a:defRPr/>
+            </a:pPr>
+            <a:endParaRPr lang="en-US" sz="2400" b="1" dirty="0">
+              <a:solidFill>
+                <a:srgbClr val="FFFF00"/>
+              </a:solidFill>
+              <a:latin typeface="Calibri" pitchFamily="34" charset="0"/>
+              <a:ea typeface="Tahoma" pitchFamily="34" charset="0"/>
+              <a:cs typeface="Calibri" pitchFamily="34" charset="0"/>
+            </a:endParaRPr>
+          </a:p>
+          <a:p>
+            <a:pPr algn="ctr">
+              <a:defRPr/>
+            </a:pPr>
+            <a:endParaRPr lang="en-US" sz="2400" b="1" dirty="0">
+              <a:solidFill>
+                <a:srgbClr val="FFFF00"/>
+              </a:solidFill>
+              <a:latin typeface="Calibri" pitchFamily="34" charset="0"/>
+              <a:ea typeface="Tahoma" pitchFamily="34" charset="0"/>
+              <a:cs typeface="Calibri" pitchFamily="34" charset="0"/>
+            </a:endParaRPr>
+          </a:p>
+          <a:p>
+            <a:pPr algn="ctr">
+              <a:defRPr/>
+            </a:pPr>
+            <a:endParaRPr lang="en-US" sz="2400" b="1" dirty="0">
+              <a:solidFill>
+                <a:srgbClr val="FFFF00"/>
+              </a:solidFill>
+              <a:latin typeface="Calibri" pitchFamily="34" charset="0"/>
+              <a:ea typeface="Tahoma" pitchFamily="34" charset="0"/>
+              <a:cs typeface="Calibri" pitchFamily="34" charset="0"/>
+            </a:endParaRPr>
+          </a:p>
+          <a:p>
+            <a:pPr algn="ctr">
+              <a:defRPr/>
+            </a:pPr>
+            <a:endParaRPr lang="en-US" sz="2400" b="1" dirty="0">
+              <a:solidFill>
+                <a:srgbClr val="FFFF00"/>
+              </a:solidFill>
+              <a:latin typeface="Calibri" pitchFamily="34" charset="0"/>
+              <a:ea typeface="Tahoma" pitchFamily="34" charset="0"/>
+              <a:cs typeface="Calibri" pitchFamily="34" charset="0"/>
+            </a:endParaRPr>
+          </a:p>
+          <a:p>
+            <a:pPr algn="ctr">
+              <a:defRPr/>
+            </a:pPr>
+            <a:endParaRPr lang="en-US" sz="2400" b="1" dirty="0">
+              <a:solidFill>
+                <a:srgbClr val="FF0000"/>
+              </a:solidFill>
+              <a:latin typeface="Calibri" pitchFamily="34" charset="0"/>
+              <a:cs typeface="Calibri" pitchFamily="34" charset="0"/>
+            </a:endParaRPr>
+          </a:p>
+        </p:txBody>
+      </p:sp>
+      <p:sp>
+        <p:nvSpPr>
+          <p:cNvPr id="6" name="Rectangle 3"/>
+          <p:cNvSpPr>
+            <a:spLocks noChangeArrowheads="1"/>
+          </p:cNvSpPr>
+          <p:nvPr/>
+        </p:nvSpPr>
+        <p:spPr bwMode="auto">
+          <a:xfrm>
+            <a:off x="1412649" y="952067"/>
+            <a:ext cx="6318702" cy="1877437"/>
           </a:xfrm>
           <a:prstGeom prst="rect">
             <a:avLst/>
           </a:prstGeom>
           <a:noFill/>
-          <a:ln/>
+          <a:ln w="9525">
+            <a:noFill/>
+            <a:miter lim="800000"/>
+            <a:headEnd/>
+            <a:tailEnd/>
+          </a:ln>
         </p:spPr>
         <p:txBody>
-          <a:bodyPr wrap="square" rtlCol="0" anchor="ctr"/>
+          <a:bodyPr wrap="square">
+            <a:spAutoFit/>
+          </a:bodyPr>
           <a:lstStyle/>
           <a:p>
-            <a:pPr algn="ctr"/>
-            <a:r>
-              <a:rPr lang="en-US" sz="3000" dirty="0" smtClean="0">
-                <a:solidFill>
-                  <a:srgbClr val="857766"/>
-                </a:solidFill>
-                <a:latin typeface="Optima" pitchFamily="34" charset="0"/>
-                <a:ea typeface="Optima" pitchFamily="34" charset="-122"/>
-                <a:cs typeface="Optima" pitchFamily="34" charset="-120"/>
+            <a:pPr marL="385763" indent="-385763" algn="ctr"/>
+            <a:r>
+              <a:rPr lang="en-US" sz="2100" b="1" dirty="0">
+                <a:solidFill>
+                  <a:srgbClr val="FFC000"/>
+                </a:solidFill>
+                <a:latin typeface="Times New Roman" panose="02020603050405020304" pitchFamily="18" charset="0"/>
+                <a:cs typeface="Times New Roman" panose="02020603050405020304" pitchFamily="18" charset="0"/>
               </a:rPr>
-              <a:t>E-Health Adviser</a:t>
-            </a:r>
-            <a:endParaRPr lang="en-US" sz="3000" dirty="0"/>
+              <a:t>EXPERIMENTAL EDUCATION ENGINEERING</a:t>
+            </a:r>
+          </a:p>
+          <a:p>
+            <a:pPr marL="385763" indent="-385763" algn="ctr"/>
+            <a:r>
+              <a:rPr lang="en-US" b="1" dirty="0">
+                <a:solidFill>
+                  <a:srgbClr val="FFC000"/>
+                </a:solidFill>
+                <a:latin typeface="Times New Roman" panose="02020603050405020304" pitchFamily="18" charset="0"/>
+                <a:cs typeface="Times New Roman" panose="02020603050405020304" pitchFamily="18" charset="0"/>
+              </a:rPr>
+              <a:t>(</a:t>
+            </a:r>
+            <a:r>
+              <a:rPr lang="en-US" b="1" dirty="0" err="1">
+                <a:solidFill>
+                  <a:srgbClr val="FFC000"/>
+                </a:solidFill>
+                <a:latin typeface="Times New Roman" panose="02020603050405020304" pitchFamily="18" charset="0"/>
+                <a:cs typeface="Times New Roman" panose="02020603050405020304" pitchFamily="18" charset="0"/>
+              </a:rPr>
+              <a:t>ExEED</a:t>
+            </a:r>
+            <a:r>
+              <a:rPr lang="en-US" b="1" dirty="0">
+                <a:solidFill>
+                  <a:srgbClr val="FFC000"/>
+                </a:solidFill>
+                <a:latin typeface="Times New Roman" panose="02020603050405020304" pitchFamily="18" charset="0"/>
+                <a:cs typeface="Times New Roman" panose="02020603050405020304" pitchFamily="18" charset="0"/>
+              </a:rPr>
+              <a:t>)</a:t>
+            </a:r>
+          </a:p>
+          <a:p>
+            <a:pPr marL="385763" indent="-385763" algn="ctr"/>
+            <a:r>
+              <a:rPr lang="en-US" b="1" dirty="0">
+                <a:solidFill>
+                  <a:schemeClr val="bg1"/>
+                </a:solidFill>
+                <a:latin typeface="Times New Roman" panose="02020603050405020304" pitchFamily="18" charset="0"/>
+                <a:cs typeface="Times New Roman" panose="02020603050405020304" pitchFamily="18" charset="0"/>
+              </a:rPr>
+              <a:t>PRODUCT BASED LEARNING</a:t>
+            </a:r>
+          </a:p>
+          <a:p>
+            <a:pPr marL="385763" indent="-385763" algn="ctr"/>
+            <a:endParaRPr lang="en-US" sz="2400" b="1" dirty="0">
+              <a:solidFill>
+                <a:schemeClr val="bg1"/>
+              </a:solidFill>
+              <a:latin typeface="Times New Roman" panose="02020603050405020304" pitchFamily="18" charset="0"/>
+              <a:cs typeface="Times New Roman" panose="02020603050405020304" pitchFamily="18" charset="0"/>
+            </a:endParaRPr>
+          </a:p>
+          <a:p>
+            <a:pPr marL="385763" indent="-385763" algn="ctr"/>
+            <a:r>
+              <a:rPr lang="en-US" sz="3500" dirty="0" smtClean="0">
+                <a:solidFill>
+                  <a:schemeClr val="bg1"/>
+                </a:solidFill>
+                <a:latin typeface="Calibri" pitchFamily="34" charset="0"/>
+                <a:ea typeface="Verdana" pitchFamily="34" charset="0"/>
+                <a:cs typeface="Calibri" pitchFamily="34" charset="0"/>
+              </a:rPr>
+              <a:t>E-HEALTH ADVISOR</a:t>
+            </a:r>
+            <a:endParaRPr lang="en-US" sz="3500" dirty="0">
+              <a:solidFill>
+                <a:schemeClr val="bg1"/>
+              </a:solidFill>
+              <a:latin typeface="Calibri" pitchFamily="34" charset="0"/>
+              <a:ea typeface="Verdana" pitchFamily="34" charset="0"/>
+              <a:cs typeface="Calibri" pitchFamily="34" charset="0"/>
+            </a:endParaRPr>
           </a:p>
         </p:txBody>
       </p:sp>
-      <p:sp>
-        <p:nvSpPr>
-          <p:cNvPr id="3" name="Text 0"/>
-          <p:cNvSpPr/>
+      <p:graphicFrame>
+        <p:nvGraphicFramePr>
+          <p:cNvPr id="4" name="Table 3">
+            <a:extLst>
+              <a:ext uri="{FF2B5EF4-FFF2-40B4-BE49-F238E27FC236}">
+                <a16:creationId xmlns:a16="http://schemas.microsoft.com/office/drawing/2014/main" xmlns="" id="{B87AF259-1478-AB2C-7089-E57E82DEAEE8}"/>
+              </a:ext>
+            </a:extLst>
+          </p:cNvPr>
+          <p:cNvGraphicFramePr>
+            <a:graphicFrameLocks noGrp="1"/>
+          </p:cNvGraphicFramePr>
+          <p:nvPr>
+            <p:extLst>
+              <p:ext uri="{D42A27DB-BD31-4B8C-83A1-F6EECF244321}">
+                <p14:modId xmlns:p14="http://schemas.microsoft.com/office/powerpoint/2010/main" val="2823478549"/>
+              </p:ext>
+            </p:extLst>
+          </p:nvPr>
+        </p:nvGraphicFramePr>
+        <p:xfrm>
+          <a:off x="2249742" y="3165817"/>
+          <a:ext cx="4914547" cy="1556585"/>
+        </p:xfrm>
+        <a:graphic>
+          <a:graphicData uri="http://schemas.openxmlformats.org/drawingml/2006/table">
+            <a:tbl>
+              <a:tblPr firstRow="1" bandRow="1">
+                <a:tableStyleId>{3B4B98B0-60AC-42C2-AFA5-B58CD77FA1E5}</a:tableStyleId>
+              </a:tblPr>
+              <a:tblGrid>
+                <a:gridCol w="928837">
+                  <a:extLst>
+                    <a:ext uri="{9D8B030D-6E8A-4147-A177-3AD203B41FA5}">
+                      <a16:colId xmlns:a16="http://schemas.microsoft.com/office/drawing/2014/main" xmlns="" val="1810297995"/>
+                    </a:ext>
+                  </a:extLst>
+                </a:gridCol>
+                <a:gridCol w="1528436">
+                  <a:extLst>
+                    <a:ext uri="{9D8B030D-6E8A-4147-A177-3AD203B41FA5}">
+                      <a16:colId xmlns:a16="http://schemas.microsoft.com/office/drawing/2014/main" xmlns="" val="1021911820"/>
+                    </a:ext>
+                  </a:extLst>
+                </a:gridCol>
+                <a:gridCol w="1228637">
+                  <a:extLst>
+                    <a:ext uri="{9D8B030D-6E8A-4147-A177-3AD203B41FA5}">
+                      <a16:colId xmlns:a16="http://schemas.microsoft.com/office/drawing/2014/main" xmlns="" val="2678693459"/>
+                    </a:ext>
+                  </a:extLst>
+                </a:gridCol>
+                <a:gridCol w="1228637">
+                  <a:extLst>
+                    <a:ext uri="{9D8B030D-6E8A-4147-A177-3AD203B41FA5}">
+                      <a16:colId xmlns:a16="http://schemas.microsoft.com/office/drawing/2014/main" xmlns="" val="3674580625"/>
+                    </a:ext>
+                  </a:extLst>
+                </a:gridCol>
+              </a:tblGrid>
+              <a:tr h="480060">
+                <a:tc>
+                  <a:txBody>
+                    <a:bodyPr/>
+                    <a:lstStyle/>
+                    <a:p>
+                      <a:pPr algn="ctr"/>
+                      <a:r>
+                        <a:rPr lang="en-IN" sz="1400" dirty="0">
+                          <a:solidFill>
+                            <a:schemeClr val="bg1"/>
+                          </a:solidFill>
+                        </a:rPr>
+                        <a:t>S. No</a:t>
+                      </a:r>
+                    </a:p>
+                  </a:txBody>
+                  <a:tcPr marL="68580" marR="68580" marT="34290" marB="34290"/>
+                </a:tc>
+                <a:tc>
+                  <a:txBody>
+                    <a:bodyPr/>
+                    <a:lstStyle/>
+                    <a:p>
+                      <a:pPr algn="ctr"/>
+                      <a:r>
+                        <a:rPr lang="en-IN" sz="1400" dirty="0">
+                          <a:solidFill>
+                            <a:schemeClr val="bg1"/>
+                          </a:solidFill>
+                        </a:rPr>
+                        <a:t>NAME</a:t>
+                      </a:r>
+                    </a:p>
+                  </a:txBody>
+                  <a:tcPr marL="68580" marR="68580" marT="34290" marB="34290"/>
+                </a:tc>
+                <a:tc>
+                  <a:txBody>
+                    <a:bodyPr/>
+                    <a:lstStyle/>
+                    <a:p>
+                      <a:pPr algn="ctr"/>
+                      <a:r>
+                        <a:rPr lang="en-IN" sz="1400" dirty="0">
+                          <a:solidFill>
+                            <a:schemeClr val="bg1"/>
+                          </a:solidFill>
+                        </a:rPr>
+                        <a:t>ROLL No</a:t>
+                      </a:r>
+                    </a:p>
+                  </a:txBody>
+                  <a:tcPr marL="68580" marR="68580" marT="34290" marB="34290"/>
+                </a:tc>
+                <a:tc>
+                  <a:txBody>
+                    <a:bodyPr/>
+                    <a:lstStyle/>
+                    <a:p>
+                      <a:pPr algn="ctr"/>
+                      <a:r>
+                        <a:rPr lang="en-IN" sz="1400" dirty="0">
+                          <a:solidFill>
+                            <a:schemeClr val="bg1"/>
+                          </a:solidFill>
+                        </a:rPr>
+                        <a:t>BRANCH &amp; SECTION</a:t>
+                      </a:r>
+                    </a:p>
+                  </a:txBody>
+                  <a:tcPr marL="68580" marR="68580" marT="34290" marB="34290"/>
+                </a:tc>
+                <a:extLst>
+                  <a:ext uri="{0D108BD9-81ED-4DB2-BD59-A6C34878D82A}">
+                    <a16:rowId xmlns:a16="http://schemas.microsoft.com/office/drawing/2014/main" xmlns="" val="2708130416"/>
+                  </a:ext>
+                </a:extLst>
+              </a:tr>
+              <a:tr h="330030">
+                <a:tc>
+                  <a:txBody>
+                    <a:bodyPr/>
+                    <a:lstStyle/>
+                    <a:p>
+                      <a:pPr algn="ctr"/>
+                      <a:r>
+                        <a:rPr lang="en-IN" sz="1400" dirty="0">
+                          <a:solidFill>
+                            <a:schemeClr val="bg1"/>
+                          </a:solidFill>
+                        </a:rPr>
+                        <a:t>1</a:t>
+                      </a:r>
+                    </a:p>
+                  </a:txBody>
+                  <a:tcPr marL="68580" marR="68580" marT="34290" marB="34290"/>
+                </a:tc>
+                <a:tc>
+                  <a:txBody>
+                    <a:bodyPr/>
+                    <a:lstStyle/>
+                    <a:p>
+                      <a:pPr algn="ctr"/>
+                      <a:r>
+                        <a:rPr lang="en-IN" sz="1400" dirty="0" smtClean="0">
+                          <a:solidFill>
+                            <a:schemeClr val="bg1"/>
+                          </a:solidFill>
+                        </a:rPr>
+                        <a:t>Y.CHITTY</a:t>
+                      </a:r>
+                      <a:r>
+                        <a:rPr lang="en-IN" sz="1400" baseline="0" dirty="0" smtClean="0">
+                          <a:solidFill>
+                            <a:schemeClr val="bg1"/>
+                          </a:solidFill>
+                        </a:rPr>
+                        <a:t> BABU</a:t>
+                      </a:r>
+                      <a:endParaRPr lang="en-IN" sz="1400" dirty="0">
+                        <a:solidFill>
+                          <a:schemeClr val="bg1"/>
+                        </a:solidFill>
+                      </a:endParaRPr>
+                    </a:p>
+                  </a:txBody>
+                  <a:tcPr marL="68580" marR="68580" marT="34290" marB="34290"/>
+                </a:tc>
+                <a:tc>
+                  <a:txBody>
+                    <a:bodyPr/>
+                    <a:lstStyle/>
+                    <a:p>
+                      <a:pPr algn="ctr"/>
+                      <a:r>
+                        <a:rPr lang="en-IN" sz="1400" dirty="0" smtClean="0">
+                          <a:solidFill>
+                            <a:schemeClr val="bg1"/>
+                          </a:solidFill>
+                        </a:rPr>
+                        <a:t>23955A0509</a:t>
+                      </a:r>
+                      <a:endParaRPr lang="en-IN" sz="1400" dirty="0">
+                        <a:solidFill>
+                          <a:schemeClr val="bg1"/>
+                        </a:solidFill>
+                      </a:endParaRPr>
+                    </a:p>
+                  </a:txBody>
+                  <a:tcPr marL="68580" marR="68580" marT="34290" marB="34290"/>
+                </a:tc>
+                <a:tc>
+                  <a:txBody>
+                    <a:bodyPr/>
+                    <a:lstStyle/>
+                    <a:p>
+                      <a:pPr algn="ctr"/>
+                      <a:r>
+                        <a:rPr lang="en-IN" sz="1400" dirty="0">
+                          <a:solidFill>
+                            <a:schemeClr val="bg1"/>
+                          </a:solidFill>
+                        </a:rPr>
+                        <a:t>CSE-B</a:t>
+                      </a:r>
+                    </a:p>
+                  </a:txBody>
+                  <a:tcPr marL="68580" marR="68580" marT="34290" marB="34290"/>
+                </a:tc>
+                <a:extLst>
+                  <a:ext uri="{0D108BD9-81ED-4DB2-BD59-A6C34878D82A}">
+                    <a16:rowId xmlns:a16="http://schemas.microsoft.com/office/drawing/2014/main" xmlns="" val="279014447"/>
+                  </a:ext>
+                </a:extLst>
+              </a:tr>
+              <a:tr h="378042">
+                <a:tc>
+                  <a:txBody>
+                    <a:bodyPr/>
+                    <a:lstStyle/>
+                    <a:p>
+                      <a:pPr algn="ctr"/>
+                      <a:r>
+                        <a:rPr lang="en-IN" sz="1400" dirty="0">
+                          <a:solidFill>
+                            <a:schemeClr val="bg1"/>
+                          </a:solidFill>
+                        </a:rPr>
+                        <a:t>2</a:t>
+                      </a:r>
+                    </a:p>
+                  </a:txBody>
+                  <a:tcPr marL="68580" marR="68580" marT="34290" marB="34290"/>
+                </a:tc>
+                <a:tc>
+                  <a:txBody>
+                    <a:bodyPr/>
+                    <a:lstStyle/>
+                    <a:p>
+                      <a:pPr algn="ctr"/>
+                      <a:r>
+                        <a:rPr lang="en-IN" sz="1400" dirty="0" smtClean="0">
+                          <a:solidFill>
+                            <a:schemeClr val="bg1"/>
+                          </a:solidFill>
+                        </a:rPr>
+                        <a:t>T.ESHWAR</a:t>
+                      </a:r>
+                      <a:endParaRPr lang="en-IN" sz="1400" dirty="0">
+                        <a:solidFill>
+                          <a:schemeClr val="bg1"/>
+                        </a:solidFill>
+                      </a:endParaRPr>
+                    </a:p>
+                  </a:txBody>
+                  <a:tcPr marL="68580" marR="68580" marT="34290" marB="34290"/>
+                </a:tc>
+                <a:tc>
+                  <a:txBody>
+                    <a:bodyPr/>
+                    <a:lstStyle/>
+                    <a:p>
+                      <a:pPr algn="ctr"/>
+                      <a:r>
+                        <a:rPr lang="en-IN" sz="1400" dirty="0" smtClean="0">
+                          <a:solidFill>
+                            <a:schemeClr val="bg1"/>
+                          </a:solidFill>
+                        </a:rPr>
+                        <a:t>23955A0510</a:t>
+                      </a:r>
+                      <a:endParaRPr lang="en-IN" sz="1400" dirty="0">
+                        <a:solidFill>
+                          <a:schemeClr val="bg1"/>
+                        </a:solidFill>
+                      </a:endParaRPr>
+                    </a:p>
+                  </a:txBody>
+                  <a:tcPr marL="68580" marR="68580" marT="34290" marB="34290"/>
+                </a:tc>
+                <a:tc>
+                  <a:txBody>
+                    <a:bodyPr/>
+                    <a:lstStyle/>
+                    <a:p>
+                      <a:pPr algn="ctr"/>
+                      <a:r>
+                        <a:rPr lang="en-IN" sz="1400" dirty="0">
+                          <a:solidFill>
+                            <a:schemeClr val="bg1"/>
+                          </a:solidFill>
+                        </a:rPr>
+                        <a:t>CSE-B</a:t>
+                      </a:r>
+                    </a:p>
+                  </a:txBody>
+                  <a:tcPr marL="68580" marR="68580" marT="34290" marB="34290"/>
+                </a:tc>
+                <a:extLst>
+                  <a:ext uri="{0D108BD9-81ED-4DB2-BD59-A6C34878D82A}">
+                    <a16:rowId xmlns:a16="http://schemas.microsoft.com/office/drawing/2014/main" xmlns="" val="1638419440"/>
+                  </a:ext>
+                </a:extLst>
+              </a:tr>
+              <a:tr h="353213">
+                <a:tc>
+                  <a:txBody>
+                    <a:bodyPr/>
+                    <a:lstStyle/>
+                    <a:p>
+                      <a:pPr algn="ctr"/>
+                      <a:r>
+                        <a:rPr lang="en-IN" sz="1400" dirty="0">
+                          <a:solidFill>
+                            <a:schemeClr val="bg1"/>
+                          </a:solidFill>
+                        </a:rPr>
+                        <a:t>3</a:t>
+                      </a:r>
+                    </a:p>
+                  </a:txBody>
+                  <a:tcPr marL="68580" marR="68580" marT="34290" marB="34290"/>
+                </a:tc>
+                <a:tc>
+                  <a:txBody>
+                    <a:bodyPr/>
+                    <a:lstStyle/>
+                    <a:p>
+                      <a:pPr algn="ctr"/>
+                      <a:r>
+                        <a:rPr lang="en-IN" sz="1400" dirty="0" smtClean="0">
+                          <a:solidFill>
+                            <a:schemeClr val="bg1"/>
+                          </a:solidFill>
+                        </a:rPr>
+                        <a:t>E.MITHEEL</a:t>
+                      </a:r>
+                      <a:endParaRPr lang="en-IN" sz="1400" dirty="0">
+                        <a:solidFill>
+                          <a:schemeClr val="bg1"/>
+                        </a:solidFill>
+                      </a:endParaRPr>
+                    </a:p>
+                  </a:txBody>
+                  <a:tcPr marL="68580" marR="68580" marT="34290" marB="34290"/>
+                </a:tc>
+                <a:tc>
+                  <a:txBody>
+                    <a:bodyPr/>
+                    <a:lstStyle/>
+                    <a:p>
+                      <a:pPr algn="ctr"/>
+                      <a:r>
+                        <a:rPr lang="en-IN" sz="1400" dirty="0" smtClean="0">
+                          <a:solidFill>
+                            <a:schemeClr val="bg1"/>
+                          </a:solidFill>
+                        </a:rPr>
+                        <a:t>23955A0513</a:t>
+                      </a:r>
+                      <a:endParaRPr lang="en-IN" sz="1400" dirty="0">
+                        <a:solidFill>
+                          <a:schemeClr val="bg1"/>
+                        </a:solidFill>
+                      </a:endParaRPr>
+                    </a:p>
+                  </a:txBody>
+                  <a:tcPr marL="68580" marR="68580" marT="34290" marB="34290"/>
+                </a:tc>
+                <a:tc>
+                  <a:txBody>
+                    <a:bodyPr/>
+                    <a:lstStyle/>
+                    <a:p>
+                      <a:pPr algn="ctr"/>
+                      <a:r>
+                        <a:rPr lang="en-IN" sz="1400" dirty="0">
+                          <a:solidFill>
+                            <a:schemeClr val="bg1"/>
+                          </a:solidFill>
+                        </a:rPr>
+                        <a:t>CSE-B</a:t>
+                      </a:r>
+                    </a:p>
+                  </a:txBody>
+                  <a:tcPr marL="68580" marR="68580" marT="34290" marB="34290"/>
+                </a:tc>
+                <a:extLst>
+                  <a:ext uri="{0D108BD9-81ED-4DB2-BD59-A6C34878D82A}">
+                    <a16:rowId xmlns:a16="http://schemas.microsoft.com/office/drawing/2014/main" xmlns="" val="1175759062"/>
+                  </a:ext>
+                </a:extLst>
+              </a:tr>
+            </a:tbl>
+          </a:graphicData>
+        </a:graphic>
+      </p:graphicFrame>
+      <p:pic>
+        <p:nvPicPr>
+          <p:cNvPr id="3076" name="Picture 4">
+            <a:extLst>
+              <a:ext uri="{FF2B5EF4-FFF2-40B4-BE49-F238E27FC236}">
+                <a16:creationId xmlns:a16="http://schemas.microsoft.com/office/drawing/2014/main" xmlns="" id="{2E5840C0-C338-AA88-1CA0-A3054E4C94DC}"/>
+              </a:ext>
+            </a:extLst>
+          </p:cNvPr>
+          <p:cNvPicPr>
+            <a:picLocks noChangeAspect="1" noChangeArrowheads="1"/>
+          </p:cNvPicPr>
           <p:nvPr/>
-        </p:nvSpPr>
-        <p:spPr>
+        </p:nvPicPr>
+        <p:blipFill>
+          <a:blip r:embed="rId2">
+            <a:extLst>
+              <a:ext uri="{28A0092B-C50C-407E-A947-70E740481C1C}">
+                <a14:useLocalDpi xmlns:a14="http://schemas.microsoft.com/office/drawing/2010/main" val="0"/>
+              </a:ext>
+            </a:extLst>
+          </a:blip>
+          <a:srcRect/>
+          <a:stretch>
+            <a:fillRect/>
+          </a:stretch>
+        </p:blipFill>
+        <p:spPr bwMode="auto">
           <a:xfrm>
-            <a:off x="352873" y="1916251"/>
-            <a:ext cx="8229600" cy="457200"/>
+            <a:off x="0" y="0"/>
+            <a:ext cx="9144000" cy="758428"/>
           </a:xfrm>
           <a:prstGeom prst="rect">
             <a:avLst/>
           </a:prstGeom>
           <a:noFill/>
-          <a:ln/>
+          <a:extLst>
+            <a:ext uri="{909E8E84-426E-40DD-AFC4-6F175D3DCCD1}">
+              <a14:hiddenFill xmlns:a14="http://schemas.microsoft.com/office/drawing/2010/main">
+                <a:solidFill>
+                  <a:srgbClr val="FFFFFF"/>
+                </a:solidFill>
+              </a14:hiddenFill>
+            </a:ext>
+          </a:extLst>
         </p:spPr>
-        <p:txBody>
-          <a:bodyPr wrap="square" rtlCol="0" anchor="ctr"/>
-          <a:lstStyle/>
-          <a:p>
-            <a:pPr lvl="1" algn="ctr"/>
-            <a:r>
-              <a:rPr lang="en-US" sz="6000" b="1" dirty="0" smtClean="0">
-                <a:solidFill>
-                  <a:srgbClr val="857766"/>
-                </a:solidFill>
-                <a:latin typeface="Optima" pitchFamily="34" charset="0"/>
-                <a:ea typeface="Optima" pitchFamily="34" charset="-122"/>
-                <a:cs typeface="Optima" pitchFamily="34" charset="-120"/>
-              </a:rPr>
-              <a:t>E-Health Mate</a:t>
-            </a:r>
-            <a:endParaRPr lang="en-US" sz="6000" dirty="0"/>
-          </a:p>
-        </p:txBody>
-      </p:sp>
+      </p:pic>
     </p:spTree>
+    <p:extLst>
+      <p:ext uri="{BB962C8B-B14F-4D97-AF65-F5344CB8AC3E}">
+        <p14:creationId xmlns:p14="http://schemas.microsoft.com/office/powerpoint/2010/main" val="1078273173"/>
+      </p:ext>
+    </p:extLst>
   </p:cSld>
   <p:clrMapOvr>
     <a:masterClrMapping/>
   </p:clrMapOvr>
+  <p:transition/>
+  <p:timing>
+    <p:tnLst>
+      <p:par>
+        <p:cTn id="1" dur="indefinite" restart="never" nodeType="tmRoot"/>
+      </p:par>
+    </p:tnLst>
+  </p:timing>
 </p:sld>
 </file>
 
@@ -1827,7 +3003,7 @@
         </p:nvSpPr>
         <p:spPr>
           <a:xfrm>
-            <a:off x="457200" y="228600"/>
+            <a:off x="457200" y="0"/>
             <a:ext cx="8229600" cy="822960"/>
           </a:xfrm>
           <a:prstGeom prst="rect">
@@ -1842,9 +3018,6 @@
           <a:p>
             <a:r>
               <a:rPr lang="en-US" sz="2400" b="1" dirty="0">
-                <a:solidFill>
-                  <a:srgbClr val="857766"/>
-                </a:solidFill>
                 <a:latin typeface="Optima" pitchFamily="34" charset="0"/>
                 <a:ea typeface="Optima" pitchFamily="34" charset="-122"/>
                 <a:cs typeface="Optima" pitchFamily="34" charset="-120"/>
@@ -1930,6 +3103,13 @@
   <p:clrMapOvr>
     <a:masterClrMapping/>
   </p:clrMapOvr>
+  <p:timing>
+    <p:tnLst>
+      <p:par>
+        <p:cTn id="1" dur="indefinite" restart="never" nodeType="tmRoot"/>
+      </p:par>
+    </p:tnLst>
+  </p:timing>
 </p:sld>
 </file>
 
@@ -1982,7 +3162,7 @@
         </p:nvSpPr>
         <p:spPr>
           <a:xfrm>
-            <a:off x="457200" y="228600"/>
+            <a:off x="457200" y="0"/>
             <a:ext cx="8229600" cy="822960"/>
           </a:xfrm>
           <a:prstGeom prst="rect">
@@ -1997,9 +3177,6 @@
           <a:p>
             <a:r>
               <a:rPr lang="en-US" sz="2400" b="1" dirty="0">
-                <a:solidFill>
-                  <a:srgbClr val="857766"/>
-                </a:solidFill>
                 <a:latin typeface="Optima" pitchFamily="34" charset="0"/>
                 <a:ea typeface="Optima" pitchFamily="34" charset="-122"/>
                 <a:cs typeface="Optima" pitchFamily="34" charset="-120"/>
@@ -2085,6 +3262,13 @@
   <p:clrMapOvr>
     <a:masterClrMapping/>
   </p:clrMapOvr>
+  <p:timing>
+    <p:tnLst>
+      <p:par>
+        <p:cTn id="1" dur="indefinite" restart="never" nodeType="tmRoot"/>
+      </p:par>
+    </p:tnLst>
+  </p:timing>
 </p:sld>
 </file>
 
@@ -2137,7 +3321,7 @@
         </p:nvSpPr>
         <p:spPr>
           <a:xfrm>
-            <a:off x="457200" y="228600"/>
+            <a:off x="457200" y="0"/>
             <a:ext cx="8229600" cy="822960"/>
           </a:xfrm>
           <a:prstGeom prst="rect">
@@ -2152,9 +3336,6 @@
           <a:p>
             <a:r>
               <a:rPr lang="en-US" sz="2400" b="1" dirty="0">
-                <a:solidFill>
-                  <a:srgbClr val="857766"/>
-                </a:solidFill>
                 <a:latin typeface="Optima" pitchFamily="34" charset="0"/>
                 <a:ea typeface="Optima" pitchFamily="34" charset="-122"/>
                 <a:cs typeface="Optima" pitchFamily="34" charset="-120"/>
@@ -2240,6 +3421,13 @@
   <p:clrMapOvr>
     <a:masterClrMapping/>
   </p:clrMapOvr>
+  <p:timing>
+    <p:tnLst>
+      <p:par>
+        <p:cTn id="1" dur="indefinite" restart="never" nodeType="tmRoot"/>
+      </p:par>
+    </p:tnLst>
+  </p:timing>
 </p:sld>
 </file>
 
@@ -2292,7 +3480,7 @@
         </p:nvSpPr>
         <p:spPr>
           <a:xfrm>
-            <a:off x="457200" y="228600"/>
+            <a:off x="457200" y="0"/>
             <a:ext cx="8229600" cy="822960"/>
           </a:xfrm>
           <a:prstGeom prst="rect">
@@ -2307,9 +3495,6 @@
           <a:p>
             <a:r>
               <a:rPr lang="en-US" sz="2400" b="1" dirty="0">
-                <a:solidFill>
-                  <a:srgbClr val="857766"/>
-                </a:solidFill>
                 <a:latin typeface="Optima" pitchFamily="34" charset="0"/>
                 <a:ea typeface="Optima" pitchFamily="34" charset="-122"/>
                 <a:cs typeface="Optima" pitchFamily="34" charset="-120"/>
@@ -2417,6 +3602,13 @@
   <p:clrMapOvr>
     <a:masterClrMapping/>
   </p:clrMapOvr>
+  <p:timing>
+    <p:tnLst>
+      <p:par>
+        <p:cTn id="1" dur="indefinite" restart="never" nodeType="tmRoot"/>
+      </p:par>
+    </p:tnLst>
+  </p:timing>
 </p:sld>
 </file>
 
@@ -2467,6 +3659,13 @@
   <p:clrMapOvr>
     <a:masterClrMapping/>
   </p:clrMapOvr>
+  <p:timing>
+    <p:tnLst>
+      <p:par>
+        <p:cTn id="1" dur="indefinite" restart="never" nodeType="tmRoot"/>
+      </p:par>
+    </p:tnLst>
+  </p:timing>
 </p:sld>
 </file>
 
@@ -2519,7 +3718,7 @@
         </p:nvSpPr>
         <p:spPr>
           <a:xfrm>
-            <a:off x="457200" y="228600"/>
+            <a:off x="214008" y="14591"/>
             <a:ext cx="8229600" cy="822960"/>
           </a:xfrm>
           <a:prstGeom prst="rect">
@@ -2534,9 +3733,6 @@
           <a:p>
             <a:r>
               <a:rPr lang="en-US" sz="2400" b="1" dirty="0">
-                <a:solidFill>
-                  <a:srgbClr val="857766"/>
-                </a:solidFill>
                 <a:latin typeface="Optima" pitchFamily="34" charset="0"/>
                 <a:ea typeface="Optima" pitchFamily="34" charset="-122"/>
                 <a:cs typeface="Optima" pitchFamily="34" charset="-120"/>
@@ -2545,9 +3741,6 @@
             </a:r>
             <a:r>
               <a:rPr lang="en-US" sz="2400" b="1" dirty="0" smtClean="0">
-                <a:solidFill>
-                  <a:srgbClr val="857766"/>
-                </a:solidFill>
                 <a:latin typeface="Optima" pitchFamily="34" charset="0"/>
                 <a:ea typeface="Optima" pitchFamily="34" charset="-122"/>
                 <a:cs typeface="Optima" pitchFamily="34" charset="-120"/>
@@ -2581,11 +3774,7 @@
           <a:p>
             <a:r>
               <a:rPr lang="en-US" sz="1600" b="1" dirty="0" smtClean="0"/>
-              <a:t>What is E-Health</a:t>
-            </a:r>
-            <a:r>
-              <a:rPr lang="en-US" sz="1600" b="1" dirty="0" smtClean="0"/>
-              <a:t>?:</a:t>
+              <a:t>What is E-Health?:</a:t>
             </a:r>
             <a:br>
               <a:rPr lang="en-US" sz="1600" b="1" dirty="0" smtClean="0"/>
@@ -2596,11 +3785,7 @@
             </a:r>
             <a:r>
               <a:rPr lang="en-US" sz="1600" dirty="0" smtClean="0"/>
-              <a:t>Digital </a:t>
-            </a:r>
-            <a:r>
-              <a:rPr lang="en-US" sz="1600" dirty="0" smtClean="0"/>
-              <a:t>health solutions that enable remote healthcare services.</a:t>
+              <a:t>Digital health solutions that enable remote healthcare services.</a:t>
             </a:r>
           </a:p>
           <a:p>
@@ -2615,15 +3800,7 @@
           <a:p>
             <a:r>
               <a:rPr lang="en-US" sz="1600" b="1" dirty="0" smtClean="0"/>
-              <a:t>Importance </a:t>
-            </a:r>
-            <a:r>
-              <a:rPr lang="en-US" sz="1600" b="1" dirty="0" smtClean="0"/>
-              <a:t>of </a:t>
-            </a:r>
-            <a:r>
-              <a:rPr lang="en-US" sz="1600" b="1" dirty="0" smtClean="0"/>
-              <a:t>E-Health:</a:t>
+              <a:t>Importance of E-Health:</a:t>
             </a:r>
           </a:p>
           <a:p>
@@ -2633,19 +3810,7 @@
             </a:r>
             <a:r>
               <a:rPr lang="en-US" sz="1600" dirty="0" smtClean="0"/>
-              <a:t>Provides </a:t>
-            </a:r>
-            <a:r>
-              <a:rPr lang="en-US" sz="1600" dirty="0" smtClean="0"/>
-              <a:t>healthcare access to rural and underserved </a:t>
-            </a:r>
-            <a:r>
-              <a:rPr lang="en-US" sz="1600" dirty="0" smtClean="0"/>
-              <a:t>populations. Reduces </a:t>
-            </a:r>
-            <a:r>
-              <a:rPr lang="en-US" sz="1600" dirty="0" smtClean="0"/>
-              <a:t>healthcare costs and improves efficiency.</a:t>
+              <a:t>Provides healthcare access to rural and underserved populations. Reduces healthcare costs and improves efficiency.</a:t>
             </a:r>
             <a:endParaRPr lang="en-US" sz="1600" dirty="0"/>
           </a:p>
@@ -2656,6 +3821,13 @@
   <p:clrMapOvr>
     <a:masterClrMapping/>
   </p:clrMapOvr>
+  <p:timing>
+    <p:tnLst>
+      <p:par>
+        <p:cTn id="1" dur="indefinite" restart="never" nodeType="tmRoot"/>
+      </p:par>
+    </p:tnLst>
+  </p:timing>
 </p:sld>
 </file>
 
@@ -2708,7 +3880,7 @@
         </p:nvSpPr>
         <p:spPr>
           <a:xfrm>
-            <a:off x="457200" y="228600"/>
+            <a:off x="272374" y="14591"/>
             <a:ext cx="8229600" cy="822960"/>
           </a:xfrm>
           <a:prstGeom prst="rect">
@@ -2723,9 +3895,6 @@
           <a:p>
             <a:r>
               <a:rPr lang="en-US" sz="2400" b="1" dirty="0">
-                <a:solidFill>
-                  <a:srgbClr val="857766"/>
-                </a:solidFill>
                 <a:latin typeface="Optima" pitchFamily="34" charset="0"/>
                 <a:ea typeface="Optima" pitchFamily="34" charset="-122"/>
                 <a:cs typeface="Optima" pitchFamily="34" charset="-120"/>
@@ -2734,9 +3903,6 @@
             </a:r>
             <a:r>
               <a:rPr lang="en-US" sz="2400" b="1" dirty="0" smtClean="0">
-                <a:solidFill>
-                  <a:srgbClr val="857766"/>
-                </a:solidFill>
                 <a:latin typeface="Optima" pitchFamily="34" charset="0"/>
                 <a:ea typeface="Optima" pitchFamily="34" charset="-122"/>
                 <a:cs typeface="Optima" pitchFamily="34" charset="-120"/>
@@ -2844,6 +4010,13 @@
   <p:clrMapOvr>
     <a:masterClrMapping/>
   </p:clrMapOvr>
+  <p:timing>
+    <p:tnLst>
+      <p:par>
+        <p:cTn id="1" dur="indefinite" restart="never" nodeType="tmRoot"/>
+      </p:par>
+    </p:tnLst>
+  </p:timing>
 </p:sld>
 </file>
 
@@ -2896,7 +4069,7 @@
         </p:nvSpPr>
         <p:spPr>
           <a:xfrm>
-            <a:off x="457200" y="228600"/>
+            <a:off x="457200" y="4864"/>
             <a:ext cx="8229600" cy="822960"/>
           </a:xfrm>
           <a:prstGeom prst="rect">
@@ -2911,9 +4084,6 @@
           <a:p>
             <a:r>
               <a:rPr lang="en-US" sz="2400" b="1" dirty="0">
-                <a:solidFill>
-                  <a:srgbClr val="857766"/>
-                </a:solidFill>
                 <a:latin typeface="Optima" pitchFamily="34" charset="0"/>
                 <a:ea typeface="Optima" pitchFamily="34" charset="-122"/>
                 <a:cs typeface="Optima" pitchFamily="34" charset="-120"/>
@@ -2998,6 +4168,13 @@
   <p:clrMapOvr>
     <a:masterClrMapping/>
   </p:clrMapOvr>
+  <p:timing>
+    <p:tnLst>
+      <p:par>
+        <p:cTn id="1" dur="indefinite" restart="never" nodeType="tmRoot"/>
+      </p:par>
+    </p:tnLst>
+  </p:timing>
 </p:sld>
 </file>
 
@@ -3050,7 +4227,7 @@
         </p:nvSpPr>
         <p:spPr>
           <a:xfrm>
-            <a:off x="457200" y="228600"/>
+            <a:off x="457200" y="43774"/>
             <a:ext cx="8229600" cy="822960"/>
           </a:xfrm>
           <a:prstGeom prst="rect">
@@ -3065,9 +4242,6 @@
           <a:p>
             <a:r>
               <a:rPr lang="en-US" sz="2400" b="1" dirty="0">
-                <a:solidFill>
-                  <a:srgbClr val="857766"/>
-                </a:solidFill>
                 <a:latin typeface="Optima" pitchFamily="34" charset="0"/>
                 <a:ea typeface="Optima" pitchFamily="34" charset="-122"/>
                 <a:cs typeface="Optima" pitchFamily="34" charset="-120"/>
@@ -3175,6 +4349,13 @@
   <p:clrMapOvr>
     <a:masterClrMapping/>
   </p:clrMapOvr>
+  <p:timing>
+    <p:tnLst>
+      <p:par>
+        <p:cTn id="1" dur="indefinite" restart="never" nodeType="tmRoot"/>
+      </p:par>
+    </p:tnLst>
+  </p:timing>
 </p:sld>
 </file>
 
@@ -3227,7 +4408,7 @@
         </p:nvSpPr>
         <p:spPr>
           <a:xfrm>
-            <a:off x="457200" y="228600"/>
+            <a:off x="457200" y="0"/>
             <a:ext cx="8229600" cy="822960"/>
           </a:xfrm>
           <a:prstGeom prst="rect">
@@ -3242,9 +4423,6 @@
           <a:p>
             <a:r>
               <a:rPr lang="en-US" sz="2400" b="1" dirty="0">
-                <a:solidFill>
-                  <a:srgbClr val="857766"/>
-                </a:solidFill>
                 <a:latin typeface="Optima" pitchFamily="34" charset="0"/>
                 <a:ea typeface="Optima" pitchFamily="34" charset="-122"/>
                 <a:cs typeface="Optima" pitchFamily="34" charset="-120"/>
@@ -3330,6 +4508,13 @@
   <p:clrMapOvr>
     <a:masterClrMapping/>
   </p:clrMapOvr>
+  <p:timing>
+    <p:tnLst>
+      <p:par>
+        <p:cTn id="1" dur="indefinite" restart="never" nodeType="tmRoot"/>
+      </p:par>
+    </p:tnLst>
+  </p:timing>
 </p:sld>
 </file>
 
@@ -3382,7 +4567,7 @@
         </p:nvSpPr>
         <p:spPr>
           <a:xfrm>
-            <a:off x="457200" y="228600"/>
+            <a:off x="457200" y="0"/>
             <a:ext cx="8229600" cy="822960"/>
           </a:xfrm>
           <a:prstGeom prst="rect">
@@ -3397,9 +4582,6 @@
           <a:p>
             <a:r>
               <a:rPr lang="en-US" sz="2400" b="1" dirty="0">
-                <a:solidFill>
-                  <a:srgbClr val="857766"/>
-                </a:solidFill>
                 <a:latin typeface="Optima" pitchFamily="34" charset="0"/>
                 <a:ea typeface="Optima" pitchFamily="34" charset="-122"/>
                 <a:cs typeface="Optima" pitchFamily="34" charset="-120"/>
@@ -3485,6 +4667,13 @@
   <p:clrMapOvr>
     <a:masterClrMapping/>
   </p:clrMapOvr>
+  <p:timing>
+    <p:tnLst>
+      <p:par>
+        <p:cTn id="1" dur="indefinite" restart="never" nodeType="tmRoot"/>
+      </p:par>
+    </p:tnLst>
+  </p:timing>
 </p:sld>
 </file>
 
@@ -3537,7 +4726,7 @@
         </p:nvSpPr>
         <p:spPr>
           <a:xfrm>
-            <a:off x="457200" y="228600"/>
+            <a:off x="457200" y="-79917"/>
             <a:ext cx="8229600" cy="822960"/>
           </a:xfrm>
           <a:prstGeom prst="rect">
@@ -3552,9 +4741,6 @@
           <a:p>
             <a:r>
               <a:rPr lang="en-US" sz="2400" b="1" dirty="0">
-                <a:solidFill>
-                  <a:srgbClr val="857766"/>
-                </a:solidFill>
                 <a:latin typeface="Optima" pitchFamily="34" charset="0"/>
                 <a:ea typeface="Optima" pitchFamily="34" charset="-122"/>
                 <a:cs typeface="Optima" pitchFamily="34" charset="-120"/>
@@ -3640,6 +4826,13 @@
   <p:clrMapOvr>
     <a:masterClrMapping/>
   </p:clrMapOvr>
+  <p:timing>
+    <p:tnLst>
+      <p:par>
+        <p:cTn id="1" dur="indefinite" restart="never" nodeType="tmRoot"/>
+      </p:par>
+    </p:tnLst>
+  </p:timing>
 </p:sld>
 </file>
 
@@ -3932,7 +5125,7 @@
   <a:extraClrSchemeLst/>
   <a:extLst>
     <a:ext uri="{05A4C25C-085E-4340-85A3-A5531E510DB2}">
-      <thm15:themeFamily xmlns:thm15="http://schemas.microsoft.com/office/thememl/2012/main" xmlns="" name="Office Theme" id="{62F939B6-93AF-4DB8-9C6B-D6C7DFDC589F}" vid="{4A3C46E8-61CC-4603-A589-7422A47A8E4A}"/>
+      <thm15:themeFamily xmlns:thm15="http://schemas.microsoft.com/office/thememl/2012/main" name="Office Theme" id="{62F939B6-93AF-4DB8-9C6B-D6C7DFDC589F}" vid="{4A3C46E8-61CC-4603-A589-7422A47A8E4A}"/>
     </a:ext>
   </a:extLst>
 </a:theme>
